--- a/Pres.pptx
+++ b/Pres.pptx
@@ -1076,7 +1076,7 @@
               <a:pPr>
                 <a:defRPr/>
               </a:pPr>
-              <a:t>10/07/2016</a:t>
+              <a:t>11/07/2016</a:t>
             </a:fld>
             <a:endParaRPr lang="en-GB" dirty="0"/>
           </a:p>
@@ -1295,7 +1295,7 @@
               <a:pPr>
                 <a:defRPr/>
               </a:pPr>
-              <a:t>10/07/2016</a:t>
+              <a:t>11/07/2016</a:t>
             </a:fld>
             <a:endParaRPr lang="en-GB"/>
           </a:p>
@@ -19770,8 +19770,8 @@
         </p:nvSpPr>
         <p:spPr>
           <a:xfrm>
-            <a:off x="319091" y="1762188"/>
-            <a:ext cx="4226732" cy="4699572"/>
+            <a:off x="319091" y="3627444"/>
+            <a:ext cx="8732144" cy="2845868"/>
           </a:xfrm>
         </p:spPr>
         <p:txBody>
@@ -19820,11 +19820,12 @@
             </a:r>
           </a:p>
           <a:p>
-            <a:endParaRPr lang="en-US" sz="2200" dirty="0"/>
-          </a:p>
-          <a:p>
-            <a:r>
-              <a:rPr lang="en-US" sz="2200" dirty="0"/>
+            <a:r>
+              <a:rPr lang="en-US" sz="2400" b="1" dirty="0">
+                <a:solidFill>
+                  <a:srgbClr val="568FD2"/>
+                </a:solidFill>
+              </a:rPr>
               <a:t>Results: </a:t>
             </a:r>
           </a:p>
@@ -19871,29 +19872,45 @@
           </a:p>
         </p:txBody>
       </p:sp>
+      <p:sp>
+        <p:nvSpPr>
+          <p:cNvPr id="7" name="Fußzeilenplatzhalter 6"/>
+          <p:cNvSpPr>
+            <a:spLocks noGrp="1"/>
+          </p:cNvSpPr>
+          <p:nvPr>
+            <p:ph type="ftr" sz="quarter" idx="12"/>
+          </p:nvPr>
+        </p:nvSpPr>
+        <p:spPr/>
+        <p:txBody>
+          <a:bodyPr/>
+          <a:lstStyle/>
+          <a:p>
+            <a:r>
+              <a:rPr lang="en-US"/>
+              <a:t>Jonas Mayer (TUM) | 13.07.2016 | A Metric for Hand Comfort/Discomfort Evaluation</a:t>
+            </a:r>
+            <a:endParaRPr lang="en-US" dirty="0"/>
+          </a:p>
+        </p:txBody>
+      </p:sp>
       <p:pic>
         <p:nvPicPr>
-          <p:cNvPr id="6" name="Grafik 5"/>
-          <p:cNvPicPr>
-            <a:picLocks noChangeAspect="1"/>
-          </p:cNvPicPr>
+          <p:cNvPr id="8" name="Picture 528"/>
+          <p:cNvPicPr/>
           <p:nvPr/>
         </p:nvPicPr>
-        <p:blipFill rotWithShape="1">
-          <a:blip r:embed="rId3">
-            <a:extLst>
-              <a:ext uri="{28A0092B-C50C-407E-A947-70E740481C1C}">
-                <a14:useLocalDpi xmlns:a14="http://schemas.microsoft.com/office/drawing/2010/main" val="0"/>
-              </a:ext>
-            </a:extLst>
-          </a:blip>
-          <a:srcRect l="10914" r="35916"/>
-          <a:stretch/>
+        <p:blipFill>
+          <a:blip r:embed="rId3"/>
+          <a:stretch>
+            <a:fillRect/>
+          </a:stretch>
         </p:blipFill>
         <p:spPr>
           <a:xfrm>
-            <a:off x="4545823" y="1404703"/>
-            <a:ext cx="4598177" cy="5068610"/>
+            <a:off x="319090" y="1404703"/>
+            <a:ext cx="8508999" cy="2222741"/>
           </a:xfrm>
           <a:prstGeom prst="rect">
             <a:avLst/>
@@ -19906,29 +19923,6 @@
           </a:effectLst>
         </p:spPr>
       </p:pic>
-      <p:sp>
-        <p:nvSpPr>
-          <p:cNvPr id="7" name="Fußzeilenplatzhalter 6"/>
-          <p:cNvSpPr>
-            <a:spLocks noGrp="1"/>
-          </p:cNvSpPr>
-          <p:nvPr>
-            <p:ph type="ftr" sz="quarter" idx="12"/>
-          </p:nvPr>
-        </p:nvSpPr>
-        <p:spPr/>
-        <p:txBody>
-          <a:bodyPr/>
-          <a:lstStyle/>
-          <a:p>
-            <a:r>
-              <a:rPr lang="en-US"/>
-              <a:t>Jonas Mayer (TUM) | 13.07.2016 | A Metric for Hand Comfort/Discomfort Evaluation</a:t>
-            </a:r>
-            <a:endParaRPr lang="en-US" dirty="0"/>
-          </a:p>
-        </p:txBody>
-      </p:sp>
     </p:spTree>
     <p:extLst>
       <p:ext uri="{BB962C8B-B14F-4D97-AF65-F5344CB8AC3E}">
@@ -20691,13 +20685,49 @@
         </p:nvSpPr>
         <p:spPr>
           <a:xfrm>
-            <a:off x="319090" y="1762188"/>
-            <a:ext cx="8507917" cy="4699572"/>
+            <a:off x="319090" y="1683026"/>
+            <a:ext cx="8507917" cy="4778734"/>
           </a:xfrm>
         </p:spPr>
         <p:txBody>
           <a:bodyPr/>
           <a:lstStyle/>
+          <a:p>
+            <a:pPr>
+              <a:lnSpc>
+                <a:spcPct val="150000"/>
+              </a:lnSpc>
+            </a:pPr>
+            <a:r>
+              <a:rPr lang="de-DE" sz="2400" b="1" dirty="0">
+                <a:solidFill>
+                  <a:srgbClr val="568FD2"/>
+                </a:solidFill>
+              </a:rPr>
+              <a:t>Problem</a:t>
+            </a:r>
+            <a:endParaRPr lang="en-US" sz="2400" b="1" dirty="0">
+              <a:solidFill>
+                <a:srgbClr val="568FD2"/>
+              </a:solidFill>
+            </a:endParaRPr>
+          </a:p>
+          <a:p>
+            <a:pPr>
+              <a:lnSpc>
+                <a:spcPct val="150000"/>
+              </a:lnSpc>
+            </a:pPr>
+            <a:r>
+              <a:rPr lang="en-US" sz="2400" dirty="0"/>
+              <a:t>Hand posture evaluation either subjective or work intensive</a:t>
+            </a:r>
+            <a:endParaRPr lang="en-US" sz="2400" b="1" dirty="0">
+              <a:solidFill>
+                <a:srgbClr val="568FD2"/>
+              </a:solidFill>
+            </a:endParaRPr>
+          </a:p>
           <a:p>
             <a:pPr>
               <a:lnSpc>
@@ -20721,15 +20751,8 @@
             </a:pPr>
             <a:r>
               <a:rPr lang="en-US" sz="2200" dirty="0"/>
-              <a:t>Hand Posture Comfort and Discomfort affect performance and obviously user experience.</a:t>
-            </a:r>
-          </a:p>
-          <a:p>
-            <a:pPr>
-              <a:lnSpc>
-                <a:spcPct val="150000"/>
-              </a:lnSpc>
-            </a:pPr>
+              <a:t>Hand posture comfort and discomfort affect performance and obviously user experience.</a:t>
+            </a:r>
             <a:endParaRPr lang="en-US" sz="2400" b="1" dirty="0">
               <a:solidFill>
                 <a:srgbClr val="568FD2"/>
